--- a/_Experiments/_Surgery/_templates/LC-injection.pptx
+++ b/_Experiments/_Surgery/_templates/LC-injection.pptx
@@ -109,7 +109,7 @@
   </p:defaultTextStyle>
   <p:extLst>
     <p:ext uri="{EFAFB233-063F-42B5-8137-9DF3F51BA10A}">
-      <p15:sldGuideLst xmlns:p15="http://schemas.microsoft.com/office/powerpoint/2012/main" xmlns="">
+      <p15:sldGuideLst xmlns="" xmlns:p15="http://schemas.microsoft.com/office/powerpoint/2012/main">
         <p15:guide id="1" orient="horz" pos="2160">
           <p15:clr>
             <a:srgbClr val="A4A3A4"/>
@@ -208,7 +208,7 @@
           <a:p>
             <a:fld id="{46F8F2C1-8A14-4773-BC69-077AA6BEF8AA}" type="datetimeFigureOut">
               <a:rPr lang="en-US" smtClean="0"/>
-              <a:t>10/3/2017</a:t>
+              <a:t>10/6/2017</a:t>
             </a:fld>
             <a:endParaRPr lang="en-US"/>
           </a:p>
@@ -741,7 +741,7 @@
           <a:p>
             <a:fld id="{A4E24B33-863B-4BDB-B3BB-1315F1051867}" type="datetimeFigureOut">
               <a:rPr lang="en-US" smtClean="0"/>
-              <a:t>10/3/2017</a:t>
+              <a:t>10/6/2017</a:t>
             </a:fld>
             <a:endParaRPr lang="en-US"/>
           </a:p>
@@ -911,7 +911,7 @@
           <a:p>
             <a:fld id="{A4E24B33-863B-4BDB-B3BB-1315F1051867}" type="datetimeFigureOut">
               <a:rPr lang="en-US" smtClean="0"/>
-              <a:t>10/3/2017</a:t>
+              <a:t>10/6/2017</a:t>
             </a:fld>
             <a:endParaRPr lang="en-US"/>
           </a:p>
@@ -1091,7 +1091,7 @@
           <a:p>
             <a:fld id="{A4E24B33-863B-4BDB-B3BB-1315F1051867}" type="datetimeFigureOut">
               <a:rPr lang="en-US" smtClean="0"/>
-              <a:t>10/3/2017</a:t>
+              <a:t>10/6/2017</a:t>
             </a:fld>
             <a:endParaRPr lang="en-US"/>
           </a:p>
@@ -1261,7 +1261,7 @@
           <a:p>
             <a:fld id="{A4E24B33-863B-4BDB-B3BB-1315F1051867}" type="datetimeFigureOut">
               <a:rPr lang="en-US" smtClean="0"/>
-              <a:t>10/3/2017</a:t>
+              <a:t>10/6/2017</a:t>
             </a:fld>
             <a:endParaRPr lang="en-US"/>
           </a:p>
@@ -1507,7 +1507,7 @@
           <a:p>
             <a:fld id="{A4E24B33-863B-4BDB-B3BB-1315F1051867}" type="datetimeFigureOut">
               <a:rPr lang="en-US" smtClean="0"/>
-              <a:t>10/3/2017</a:t>
+              <a:t>10/6/2017</a:t>
             </a:fld>
             <a:endParaRPr lang="en-US"/>
           </a:p>
@@ -1795,7 +1795,7 @@
           <a:p>
             <a:fld id="{A4E24B33-863B-4BDB-B3BB-1315F1051867}" type="datetimeFigureOut">
               <a:rPr lang="en-US" smtClean="0"/>
-              <a:t>10/3/2017</a:t>
+              <a:t>10/6/2017</a:t>
             </a:fld>
             <a:endParaRPr lang="en-US"/>
           </a:p>
@@ -2217,7 +2217,7 @@
           <a:p>
             <a:fld id="{A4E24B33-863B-4BDB-B3BB-1315F1051867}" type="datetimeFigureOut">
               <a:rPr lang="en-US" smtClean="0"/>
-              <a:t>10/3/2017</a:t>
+              <a:t>10/6/2017</a:t>
             </a:fld>
             <a:endParaRPr lang="en-US"/>
           </a:p>
@@ -2335,7 +2335,7 @@
           <a:p>
             <a:fld id="{A4E24B33-863B-4BDB-B3BB-1315F1051867}" type="datetimeFigureOut">
               <a:rPr lang="en-US" smtClean="0"/>
-              <a:t>10/3/2017</a:t>
+              <a:t>10/6/2017</a:t>
             </a:fld>
             <a:endParaRPr lang="en-US"/>
           </a:p>
@@ -2430,7 +2430,7 @@
           <a:p>
             <a:fld id="{A4E24B33-863B-4BDB-B3BB-1315F1051867}" type="datetimeFigureOut">
               <a:rPr lang="en-US" smtClean="0"/>
-              <a:t>10/3/2017</a:t>
+              <a:t>10/6/2017</a:t>
             </a:fld>
             <a:endParaRPr lang="en-US"/>
           </a:p>
@@ -2707,7 +2707,7 @@
           <a:p>
             <a:fld id="{A4E24B33-863B-4BDB-B3BB-1315F1051867}" type="datetimeFigureOut">
               <a:rPr lang="en-US" smtClean="0"/>
-              <a:t>10/3/2017</a:t>
+              <a:t>10/6/2017</a:t>
             </a:fld>
             <a:endParaRPr lang="en-US"/>
           </a:p>
@@ -2960,7 +2960,7 @@
           <a:p>
             <a:fld id="{A4E24B33-863B-4BDB-B3BB-1315F1051867}" type="datetimeFigureOut">
               <a:rPr lang="en-US" smtClean="0"/>
-              <a:t>10/3/2017</a:t>
+              <a:t>10/6/2017</a:t>
             </a:fld>
             <a:endParaRPr lang="en-US"/>
           </a:p>
@@ -3173,7 +3173,7 @@
           <a:p>
             <a:fld id="{A4E24B33-863B-4BDB-B3BB-1315F1051867}" type="datetimeFigureOut">
               <a:rPr lang="en-US" smtClean="0"/>
-              <a:t>10/3/2017</a:t>
+              <a:t>10/6/2017</a:t>
             </a:fld>
             <a:endParaRPr lang="en-US"/>
           </a:p>
@@ -3550,232 +3550,6 @@
       </p:grpSpPr>
       <p:graphicFrame>
         <p:nvGraphicFramePr>
-          <p:cNvPr id="11" name="Table 10"/>
-          <p:cNvGraphicFramePr>
-            <a:graphicFrameLocks noGrp="1"/>
-          </p:cNvGraphicFramePr>
-          <p:nvPr>
-            <p:extLst>
-              <p:ext uri="{D42A27DB-BD31-4B8C-83A1-F6EECF244321}">
-                <p14:modId xmlns:p14="http://schemas.microsoft.com/office/powerpoint/2010/main" val="2997950281"/>
-              </p:ext>
-            </p:extLst>
-          </p:nvPr>
-        </p:nvGraphicFramePr>
-        <p:xfrm>
-          <a:off x="4572001" y="914400"/>
-          <a:ext cx="3535996" cy="1438800"/>
-        </p:xfrm>
-        <a:graphic>
-          <a:graphicData uri="http://schemas.openxmlformats.org/drawingml/2006/table">
-            <a:tbl>
-              <a:tblPr firstRow="1" bandRow="1">
-                <a:tableStyleId>{5940675A-B579-460E-94D1-54222C63F5DA}</a:tableStyleId>
-              </a:tblPr>
-              <a:tblGrid>
-                <a:gridCol w="771596"/>
-                <a:gridCol w="1218290"/>
-                <a:gridCol w="1546110"/>
-              </a:tblGrid>
-              <a:tr h="719400">
-                <a:tc>
-                  <a:txBody>
-                    <a:bodyPr/>
-                    <a:lstStyle/>
-                    <a:p>
-                      <a:pPr algn="ctr"/>
-                      <a:r>
-                        <a:rPr lang="en-US" dirty="0" smtClean="0">
-                          <a:latin typeface="Arial Black" panose="020B0A04020102020204" pitchFamily="34" charset="0"/>
-                        </a:rPr>
-                        <a:t>1</a:t>
-                      </a:r>
-                    </a:p>
-                    <a:p>
-                      <a:pPr algn="ctr"/>
-                      <a:r>
-                        <a:rPr lang="en-US" sz="1000" dirty="0" smtClean="0">
-                          <a:latin typeface="Arial Black" panose="020B0A04020102020204" pitchFamily="34" charset="0"/>
-                        </a:rPr>
-                        <a:t>GND</a:t>
-                      </a:r>
-                      <a:endParaRPr lang="en-US" sz="1000" dirty="0">
-                        <a:latin typeface="Arial Black" panose="020B0A04020102020204" pitchFamily="34" charset="0"/>
-                      </a:endParaRPr>
-                    </a:p>
-                  </a:txBody>
-                  <a:tcPr anchor="ctr"/>
-                </a:tc>
-                <a:tc>
-                  <a:txBody>
-                    <a:bodyPr/>
-                    <a:lstStyle/>
-                    <a:p>
-                      <a:pPr algn="ctr"/>
-                      <a:r>
-                        <a:rPr lang="en-US" dirty="0" smtClean="0">
-                          <a:latin typeface="Arial Black" panose="020B0A04020102020204" pitchFamily="34" charset="0"/>
-                        </a:rPr>
-                        <a:t>2</a:t>
-                      </a:r>
-                    </a:p>
-                    <a:p>
-                      <a:pPr algn="ctr"/>
-                      <a:r>
-                        <a:rPr lang="en-US" sz="1000" dirty="0" smtClean="0">
-                          <a:latin typeface="Arial Black" panose="020B0A04020102020204" pitchFamily="34" charset="0"/>
-                        </a:rPr>
-                        <a:t>R-M1</a:t>
-                      </a:r>
-                    </a:p>
-                    <a:p>
-                      <a:pPr algn="ctr"/>
-                      <a:r>
-                        <a:rPr lang="en-US" sz="1000" dirty="0" smtClean="0">
-                          <a:latin typeface="Arial Black" panose="020B0A04020102020204" pitchFamily="34" charset="0"/>
-                        </a:rPr>
-                        <a:t>(Chan2)</a:t>
-                      </a:r>
-                      <a:endParaRPr lang="en-US" sz="1000" dirty="0">
-                        <a:latin typeface="Arial Black" panose="020B0A04020102020204" pitchFamily="34" charset="0"/>
-                      </a:endParaRPr>
-                    </a:p>
-                  </a:txBody>
-                  <a:tcPr anchor="ctr"/>
-                </a:tc>
-                <a:tc>
-                  <a:txBody>
-                    <a:bodyPr/>
-                    <a:lstStyle/>
-                    <a:p>
-                      <a:pPr algn="ctr"/>
-                      <a:r>
-                        <a:rPr lang="en-US" dirty="0" smtClean="0">
-                          <a:latin typeface="Arial Black" panose="020B0A04020102020204" pitchFamily="34" charset="0"/>
-                        </a:rPr>
-                        <a:t>3</a:t>
-                      </a:r>
-                    </a:p>
-                    <a:p>
-                      <a:pPr algn="ctr"/>
-                      <a:r>
-                        <a:rPr lang="en-US" sz="1000" dirty="0" smtClean="0">
-                          <a:latin typeface="Arial Black" panose="020B0A04020102020204" pitchFamily="34" charset="0"/>
-                        </a:rPr>
-                        <a:t>EMG</a:t>
-                      </a:r>
-                      <a:r>
-                        <a:rPr lang="en-US" sz="1000" baseline="0" dirty="0" smtClean="0">
-                          <a:latin typeface="Arial Black" panose="020B0A04020102020204" pitchFamily="34" charset="0"/>
-                        </a:rPr>
-                        <a:t> wire (Chan3)</a:t>
-                      </a:r>
-                      <a:endParaRPr lang="en-US" sz="1000" dirty="0">
-                        <a:latin typeface="Arial Black" panose="020B0A04020102020204" pitchFamily="34" charset="0"/>
-                      </a:endParaRPr>
-                    </a:p>
-                  </a:txBody>
-                  <a:tcPr anchor="ctr"/>
-                </a:tc>
-              </a:tr>
-              <a:tr h="719400">
-                <a:tc>
-                  <a:txBody>
-                    <a:bodyPr/>
-                    <a:lstStyle/>
-                    <a:p>
-                      <a:pPr algn="ctr"/>
-                      <a:r>
-                        <a:rPr lang="en-US" dirty="0" smtClean="0">
-                          <a:latin typeface="Arial Black" panose="020B0A04020102020204" pitchFamily="34" charset="0"/>
-                        </a:rPr>
-                        <a:t>4</a:t>
-                      </a:r>
-                    </a:p>
-                    <a:p>
-                      <a:pPr algn="ctr"/>
-                      <a:r>
-                        <a:rPr lang="en-US" sz="1000" dirty="0" smtClean="0">
-                          <a:latin typeface="Arial Black" panose="020B0A04020102020204" pitchFamily="34" charset="0"/>
-                        </a:rPr>
-                        <a:t>Depth/Cannula</a:t>
-                      </a:r>
-                      <a:endParaRPr lang="en-US" sz="1000" dirty="0">
-                        <a:latin typeface="Arial Black" panose="020B0A04020102020204" pitchFamily="34" charset="0"/>
-                      </a:endParaRPr>
-                    </a:p>
-                  </a:txBody>
-                  <a:tcPr anchor="ctr"/>
-                </a:tc>
-                <a:tc>
-                  <a:txBody>
-                    <a:bodyPr/>
-                    <a:lstStyle/>
-                    <a:p>
-                      <a:pPr algn="ctr"/>
-                      <a:r>
-                        <a:rPr lang="en-US" dirty="0" smtClean="0">
-                          <a:latin typeface="Arial Black" panose="020B0A04020102020204" pitchFamily="34" charset="0"/>
-                        </a:rPr>
-                        <a:t>5</a:t>
-                      </a:r>
-                    </a:p>
-                    <a:p>
-                      <a:pPr algn="ctr"/>
-                      <a:r>
-                        <a:rPr lang="en-US" sz="1000" dirty="0" smtClean="0">
-                          <a:latin typeface="Arial Black" panose="020B0A04020102020204" pitchFamily="34" charset="0"/>
-                        </a:rPr>
-                        <a:t>Depth/Cannula</a:t>
-                      </a:r>
-                      <a:r>
-                        <a:rPr lang="en-US" sz="1000" baseline="0" dirty="0" smtClean="0">
-                          <a:latin typeface="Arial Black" panose="020B0A04020102020204" pitchFamily="34" charset="0"/>
-                        </a:rPr>
-                        <a:t> (Chan1)</a:t>
-                      </a:r>
-                      <a:endParaRPr lang="en-US" sz="1000" dirty="0">
-                        <a:latin typeface="Arial Black" panose="020B0A04020102020204" pitchFamily="34" charset="0"/>
-                      </a:endParaRPr>
-                    </a:p>
-                  </a:txBody>
-                  <a:tcPr anchor="ctr"/>
-                </a:tc>
-                <a:tc>
-                  <a:txBody>
-                    <a:bodyPr/>
-                    <a:lstStyle/>
-                    <a:p>
-                      <a:pPr algn="ctr"/>
-                      <a:r>
-                        <a:rPr lang="en-US" dirty="0" smtClean="0">
-                          <a:latin typeface="Arial Black" panose="020B0A04020102020204" pitchFamily="34" charset="0"/>
-                        </a:rPr>
-                        <a:t>6</a:t>
-                      </a:r>
-                    </a:p>
-                    <a:p>
-                      <a:pPr algn="ctr"/>
-                      <a:r>
-                        <a:rPr lang="en-US" sz="1000" dirty="0" smtClean="0">
-                          <a:latin typeface="Arial Black" panose="020B0A04020102020204" pitchFamily="34" charset="0"/>
-                        </a:rPr>
-                        <a:t>EMG wire (Chan3)</a:t>
-                      </a:r>
-                      <a:endParaRPr lang="en-US" sz="1000" dirty="0">
-                        <a:latin typeface="Arial Black" panose="020B0A04020102020204" pitchFamily="34" charset="0"/>
-                      </a:endParaRPr>
-                    </a:p>
-                  </a:txBody>
-                  <a:tcPr anchor="ctr"/>
-                </a:tc>
-              </a:tr>
-            </a:tbl>
-          </a:graphicData>
-        </a:graphic>
-      </p:graphicFrame>
-      <p:graphicFrame>
-        <p:nvGraphicFramePr>
           <p:cNvPr id="12" name="Table 11"/>
           <p:cNvGraphicFramePr>
             <a:graphicFrameLocks noGrp="1"/>
@@ -3783,13 +3557,13 @@
           <p:nvPr>
             <p:extLst>
               <p:ext uri="{D42A27DB-BD31-4B8C-83A1-F6EECF244321}">
-                <p14:modId xmlns:p14="http://schemas.microsoft.com/office/powerpoint/2010/main" val="1604911666"/>
+                <p14:modId xmlns:p14="http://schemas.microsoft.com/office/powerpoint/2010/main" val="2505569797"/>
               </p:ext>
             </p:extLst>
           </p:nvPr>
         </p:nvGraphicFramePr>
         <p:xfrm>
-          <a:off x="4038600" y="2807732"/>
+          <a:off x="4038600" y="978932"/>
           <a:ext cx="4155046" cy="2072986"/>
         </p:xfrm>
         <a:graphic>
@@ -4180,14 +3954,14 @@
       </p:graphicFrame>
       <p:sp>
         <p:nvSpPr>
-          <p:cNvPr id="24" name="TextBox 23"/>
+          <p:cNvPr id="25" name="TextBox 24"/>
           <p:cNvSpPr txBox="1"/>
           <p:nvPr/>
         </p:nvSpPr>
         <p:spPr>
           <a:xfrm>
-            <a:off x="4953000" y="609600"/>
-            <a:ext cx="915635" cy="369332"/>
+            <a:off x="4038600" y="609600"/>
+            <a:ext cx="4114800" cy="369332"/>
           </a:xfrm>
           <a:prstGeom prst="rect">
             <a:avLst/>
@@ -4195,47 +3969,12 @@
           <a:noFill/>
         </p:spPr>
         <p:txBody>
-          <a:bodyPr wrap="none" rtlCol="0">
+          <a:bodyPr wrap="square" rtlCol="0">
             <a:spAutoFit/>
           </a:bodyPr>
           <a:lstStyle/>
           <a:p>
-            <a:r>
-              <a:rPr lang="en-US" dirty="0" smtClean="0">
-                <a:latin typeface="Arial" panose="020B0604020202020204" pitchFamily="34" charset="0"/>
-                <a:cs typeface="Arial" panose="020B0604020202020204" pitchFamily="34" charset="0"/>
-              </a:rPr>
-              <a:t>Pin-out</a:t>
-            </a:r>
-            <a:endParaRPr lang="en-US" dirty="0">
-              <a:latin typeface="Arial" panose="020B0604020202020204" pitchFamily="34" charset="0"/>
-              <a:cs typeface="Arial" panose="020B0604020202020204" pitchFamily="34" charset="0"/>
-            </a:endParaRPr>
-          </a:p>
-        </p:txBody>
-      </p:sp>
-      <p:sp>
-        <p:nvSpPr>
-          <p:cNvPr id="25" name="TextBox 24"/>
-          <p:cNvSpPr txBox="1"/>
-          <p:nvPr/>
-        </p:nvSpPr>
-        <p:spPr>
-          <a:xfrm>
-            <a:off x="4419600" y="2438400"/>
-            <a:ext cx="2646878" cy="369332"/>
-          </a:xfrm>
-          <a:prstGeom prst="rect">
-            <a:avLst/>
-          </a:prstGeom>
-          <a:noFill/>
-        </p:spPr>
-        <p:txBody>
-          <a:bodyPr wrap="none" rtlCol="0">
-            <a:spAutoFit/>
-          </a:bodyPr>
-          <a:lstStyle/>
-          <a:p>
+            <a:pPr algn="ctr"/>
             <a:r>
               <a:rPr lang="en-US" dirty="0" smtClean="0">
                 <a:latin typeface="Arial" panose="020B0604020202020204" pitchFamily="34" charset="0"/>
@@ -4739,176 +4478,6 @@
       </p:sp>
       <p:sp>
         <p:nvSpPr>
-          <p:cNvPr id="3" name="TextBox 2"/>
-          <p:cNvSpPr txBox="1"/>
-          <p:nvPr/>
-        </p:nvSpPr>
-        <p:spPr>
-          <a:xfrm>
-            <a:off x="3155780" y="1143000"/>
-            <a:ext cx="1236236" cy="369332"/>
-          </a:xfrm>
-          <a:prstGeom prst="rect">
-            <a:avLst/>
-          </a:prstGeom>
-          <a:noFill/>
-        </p:spPr>
-        <p:txBody>
-          <a:bodyPr wrap="none" rtlCol="0">
-            <a:spAutoFit/>
-          </a:bodyPr>
-          <a:lstStyle/>
-          <a:p>
-            <a:r>
-              <a:rPr lang="en-US" b="1" dirty="0" smtClean="0">
-                <a:latin typeface="Arial" panose="020B0604020202020204" pitchFamily="34" charset="0"/>
-                <a:cs typeface="Arial" panose="020B0604020202020204" pitchFamily="34" charset="0"/>
-              </a:rPr>
-              <a:t>White out</a:t>
-            </a:r>
-            <a:endParaRPr lang="en-US" b="1" dirty="0">
-              <a:latin typeface="Arial" panose="020B0604020202020204" pitchFamily="34" charset="0"/>
-              <a:cs typeface="Arial" panose="020B0604020202020204" pitchFamily="34" charset="0"/>
-            </a:endParaRPr>
-          </a:p>
-        </p:txBody>
-      </p:sp>
-      <p:cxnSp>
-        <p:nvCxnSpPr>
-          <p:cNvPr id="16" name="Straight Arrow Connector 15"/>
-          <p:cNvCxnSpPr>
-            <a:stCxn id="3" idx="3"/>
-          </p:cNvCxnSpPr>
-          <p:nvPr/>
-        </p:nvCxnSpPr>
-        <p:spPr>
-          <a:xfrm flipV="1">
-            <a:off x="4392016" y="910287"/>
-            <a:ext cx="169155" cy="417379"/>
-          </a:xfrm>
-          <a:prstGeom prst="straightConnector1">
-            <a:avLst/>
-          </a:prstGeom>
-          <a:ln w="28575">
-            <a:tailEnd type="arrow"/>
-          </a:ln>
-        </p:spPr>
-        <p:style>
-          <a:lnRef idx="1">
-            <a:schemeClr val="dk1"/>
-          </a:lnRef>
-          <a:fillRef idx="0">
-            <a:schemeClr val="dk1"/>
-          </a:fillRef>
-          <a:effectRef idx="0">
-            <a:schemeClr val="dk1"/>
-          </a:effectRef>
-          <a:fontRef idx="minor">
-            <a:schemeClr val="tx1"/>
-          </a:fontRef>
-        </p:style>
-      </p:cxnSp>
-      <p:grpSp>
-        <p:nvGrpSpPr>
-          <p:cNvPr id="18" name="Group 17"/>
-          <p:cNvGrpSpPr/>
-          <p:nvPr/>
-        </p:nvGrpSpPr>
-        <p:grpSpPr>
-          <a:xfrm>
-            <a:off x="4449966" y="5040868"/>
-            <a:ext cx="1856918" cy="433864"/>
-            <a:chOff x="4449966" y="5040868"/>
-            <a:chExt cx="1856918" cy="433864"/>
-          </a:xfrm>
-        </p:grpSpPr>
-        <p:sp>
-          <p:nvSpPr>
-            <p:cNvPr id="29" name="Rectangle 28"/>
-            <p:cNvSpPr/>
-            <p:nvPr/>
-          </p:nvSpPr>
-          <p:spPr>
-            <a:xfrm>
-              <a:off x="4449966" y="5105400"/>
-              <a:ext cx="274434" cy="369332"/>
-            </a:xfrm>
-            <a:prstGeom prst="rect">
-              <a:avLst/>
-            </a:prstGeom>
-          </p:spPr>
-          <p:style>
-            <a:lnRef idx="1">
-              <a:schemeClr val="dk1"/>
-            </a:lnRef>
-            <a:fillRef idx="3">
-              <a:schemeClr val="dk1"/>
-            </a:fillRef>
-            <a:effectRef idx="2">
-              <a:schemeClr val="dk1"/>
-            </a:effectRef>
-            <a:fontRef idx="minor">
-              <a:schemeClr val="lt1"/>
-            </a:fontRef>
-          </p:style>
-          <p:txBody>
-            <a:bodyPr wrap="none">
-              <a:spAutoFit/>
-            </a:bodyPr>
-            <a:lstStyle/>
-            <a:p>
-              <a:r>
-                <a:rPr lang="en-US" dirty="0">
-                  <a:solidFill>
-                    <a:schemeClr val="bg1"/>
-                  </a:solidFill>
-                  <a:latin typeface="Arial" panose="020B0604020202020204" pitchFamily="34" charset="0"/>
-                  <a:cs typeface="Arial" panose="020B0604020202020204" pitchFamily="34" charset="0"/>
-                </a:rPr>
-                <a:t>*</a:t>
-              </a:r>
-            </a:p>
-          </p:txBody>
-        </p:sp>
-        <p:sp>
-          <p:nvSpPr>
-            <p:cNvPr id="15" name="TextBox 14"/>
-            <p:cNvSpPr txBox="1"/>
-            <p:nvPr/>
-          </p:nvSpPr>
-          <p:spPr>
-            <a:xfrm>
-              <a:off x="4724400" y="5040868"/>
-              <a:ext cx="1582484" cy="369332"/>
-            </a:xfrm>
-            <a:prstGeom prst="rect">
-              <a:avLst/>
-            </a:prstGeom>
-            <a:noFill/>
-          </p:spPr>
-          <p:txBody>
-            <a:bodyPr wrap="none" rtlCol="0">
-              <a:spAutoFit/>
-            </a:bodyPr>
-            <a:lstStyle/>
-            <a:p>
-              <a:r>
-                <a:rPr lang="en-US" dirty="0" smtClean="0">
-                  <a:latin typeface="Arial" panose="020B0604020202020204" pitchFamily="34" charset="0"/>
-                  <a:cs typeface="Arial" panose="020B0604020202020204" pitchFamily="34" charset="0"/>
-                </a:rPr>
-                <a:t>Anchor screw</a:t>
-              </a:r>
-              <a:endParaRPr lang="en-US" dirty="0">
-                <a:latin typeface="Arial" panose="020B0604020202020204" pitchFamily="34" charset="0"/>
-                <a:cs typeface="Arial" panose="020B0604020202020204" pitchFamily="34" charset="0"/>
-              </a:endParaRPr>
-            </a:p>
-          </p:txBody>
-        </p:sp>
-      </p:grpSp>
-      <p:sp>
-        <p:nvSpPr>
           <p:cNvPr id="30" name="Rectangle 29"/>
           <p:cNvSpPr/>
           <p:nvPr/>
@@ -4955,327 +4524,41 @@
           </a:p>
         </p:txBody>
       </p:sp>
-      <mc:AlternateContent xmlns:mc="http://schemas.openxmlformats.org/markup-compatibility/2006" xmlns:a14="http://schemas.microsoft.com/office/drawing/2010/main">
-        <mc:Choice Requires="a14">
-          <p:sp>
-            <p:nvSpPr>
-              <p:cNvPr id="32" name="TextBox 10"/>
-              <p:cNvSpPr txBox="1"/>
-              <p:nvPr/>
-            </p:nvSpPr>
-            <p:spPr>
-              <a:xfrm>
-                <a:off x="4572000" y="5638800"/>
-                <a:ext cx="3124200" cy="522579"/>
-              </a:xfrm>
-              <a:prstGeom prst="rect">
-                <a:avLst/>
-              </a:prstGeom>
-              <a:noFill/>
-            </p:spPr>
-            <p:style>
-              <a:lnRef idx="0">
-                <a:scrgbClr r="0" g="0" b="0"/>
-              </a:lnRef>
-              <a:fillRef idx="0">
-                <a:scrgbClr r="0" g="0" b="0"/>
-              </a:fillRef>
-              <a:effectRef idx="0">
-                <a:scrgbClr r="0" g="0" b="0"/>
-              </a:effectRef>
-              <a:fontRef idx="minor">
-                <a:schemeClr val="tx1"/>
-              </a:fontRef>
-            </p:style>
-            <p:txBody>
-              <a:bodyPr wrap="square" rtlCol="0" anchor="t">
-                <a:spAutoFit/>
-              </a:bodyPr>
-              <a:lstStyle>
-                <a:lvl1pPr marL="0" indent="0">
-                  <a:defRPr sz="1100">
-                    <a:solidFill>
-                      <a:schemeClr val="tx1"/>
-                    </a:solidFill>
-                    <a:latin typeface="+mn-lt"/>
-                    <a:ea typeface="+mn-ea"/>
-                    <a:cs typeface="+mn-cs"/>
-                  </a:defRPr>
-                </a:lvl1pPr>
-                <a:lvl2pPr marL="457200" indent="0">
-                  <a:defRPr sz="1100">
-                    <a:solidFill>
-                      <a:schemeClr val="tx1"/>
-                    </a:solidFill>
-                    <a:latin typeface="+mn-lt"/>
-                    <a:ea typeface="+mn-ea"/>
-                    <a:cs typeface="+mn-cs"/>
-                  </a:defRPr>
-                </a:lvl2pPr>
-                <a:lvl3pPr marL="914400" indent="0">
-                  <a:defRPr sz="1100">
-                    <a:solidFill>
-                      <a:schemeClr val="tx1"/>
-                    </a:solidFill>
-                    <a:latin typeface="+mn-lt"/>
-                    <a:ea typeface="+mn-ea"/>
-                    <a:cs typeface="+mn-cs"/>
-                  </a:defRPr>
-                </a:lvl3pPr>
-                <a:lvl4pPr marL="1371600" indent="0">
-                  <a:defRPr sz="1100">
-                    <a:solidFill>
-                      <a:schemeClr val="tx1"/>
-                    </a:solidFill>
-                    <a:latin typeface="+mn-lt"/>
-                    <a:ea typeface="+mn-ea"/>
-                    <a:cs typeface="+mn-cs"/>
-                  </a:defRPr>
-                </a:lvl4pPr>
-                <a:lvl5pPr marL="1828800" indent="0">
-                  <a:defRPr sz="1100">
-                    <a:solidFill>
-                      <a:schemeClr val="tx1"/>
-                    </a:solidFill>
-                    <a:latin typeface="+mn-lt"/>
-                    <a:ea typeface="+mn-ea"/>
-                    <a:cs typeface="+mn-cs"/>
-                  </a:defRPr>
-                </a:lvl5pPr>
-                <a:lvl6pPr marL="2286000" indent="0">
-                  <a:defRPr sz="1100">
-                    <a:solidFill>
-                      <a:schemeClr val="tx1"/>
-                    </a:solidFill>
-                    <a:latin typeface="+mn-lt"/>
-                    <a:ea typeface="+mn-ea"/>
-                    <a:cs typeface="+mn-cs"/>
-                  </a:defRPr>
-                </a:lvl6pPr>
-                <a:lvl7pPr marL="2743200" indent="0">
-                  <a:defRPr sz="1100">
-                    <a:solidFill>
-                      <a:schemeClr val="tx1"/>
-                    </a:solidFill>
-                    <a:latin typeface="+mn-lt"/>
-                    <a:ea typeface="+mn-ea"/>
-                    <a:cs typeface="+mn-cs"/>
-                  </a:defRPr>
-                </a:lvl7pPr>
-                <a:lvl8pPr marL="3200400" indent="0">
-                  <a:defRPr sz="1100">
-                    <a:solidFill>
-                      <a:schemeClr val="tx1"/>
-                    </a:solidFill>
-                    <a:latin typeface="+mn-lt"/>
-                    <a:ea typeface="+mn-ea"/>
-                    <a:cs typeface="+mn-cs"/>
-                  </a:defRPr>
-                </a:lvl8pPr>
-                <a:lvl9pPr marL="3657600" indent="0">
-                  <a:defRPr sz="1100">
-                    <a:solidFill>
-                      <a:schemeClr val="tx1"/>
-                    </a:solidFill>
-                    <a:latin typeface="+mn-lt"/>
-                    <a:ea typeface="+mn-ea"/>
-                    <a:cs typeface="+mn-cs"/>
-                  </a:defRPr>
-                </a:lvl9pPr>
-              </a:lstStyle>
-              <a:p>
-                <a:r>
-                  <a:rPr lang="en-US" sz="1800" dirty="0">
-                    <a:latin typeface="Arial" panose="020B0604020202020204" pitchFamily="34" charset="0"/>
-                    <a:cs typeface="Arial" panose="020B0604020202020204" pitchFamily="34" charset="0"/>
-                  </a:rPr>
-                  <a:t>Adjust</a:t>
-                </a:r>
-                <a:r>
-                  <a:rPr lang="en-US" sz="1800" baseline="0" dirty="0">
-                    <a:latin typeface="Arial" panose="020B0604020202020204" pitchFamily="34" charset="0"/>
-                    <a:cs typeface="Arial" panose="020B0604020202020204" pitchFamily="34" charset="0"/>
-                  </a:rPr>
-                  <a:t> ratio </a:t>
-                </a:r>
-                <a14:m>
-                  <m:oMath xmlns:m="http://schemas.openxmlformats.org/officeDocument/2006/math">
-                    <m:r>
-                      <a:rPr lang="en-US" sz="1800" i="1">
-                        <a:latin typeface="Cambria Math"/>
-                      </a:rPr>
-                      <m:t>=</m:t>
-                    </m:r>
-                    <m:f>
-                      <m:fPr>
-                        <m:ctrlPr>
-                          <a:rPr lang="en-US" sz="1800" i="1">
-                            <a:latin typeface="Cambria Math"/>
-                          </a:rPr>
-                        </m:ctrlPr>
-                      </m:fPr>
-                      <m:num>
-                        <m:r>
-                          <a:rPr lang="en-US" sz="1800" b="0" i="1">
-                            <a:latin typeface="Cambria Math"/>
-                          </a:rPr>
-                          <m:t>𝑀𝑒𝑎𝑠𝑢𝑟𝑒𝑑</m:t>
-                        </m:r>
-                        <m:r>
-                          <a:rPr lang="en-US" sz="1800" b="0" i="1">
-                            <a:latin typeface="Cambria Math"/>
-                          </a:rPr>
-                          <m:t> </m:t>
-                        </m:r>
-                        <m:r>
-                          <a:rPr lang="en-US" sz="1800" b="0" i="1">
-                            <a:latin typeface="Cambria Math"/>
-                          </a:rPr>
-                          <m:t>𝑋</m:t>
-                        </m:r>
-                        <m:r>
-                          <a:rPr lang="en-US" sz="1800" b="0" i="1">
-                            <a:latin typeface="Cambria Math"/>
-                          </a:rPr>
-                          <m:t> </m:t>
-                        </m:r>
-                        <m:r>
-                          <a:rPr lang="en-US" sz="1800" b="0" i="1" baseline="-25000">
-                            <a:latin typeface="Cambria Math"/>
-                          </a:rPr>
-                          <m:t>𝐵</m:t>
-                        </m:r>
-                        <m:r>
-                          <a:rPr lang="en-US" sz="1800" b="0" i="1" baseline="-25000">
-                            <a:latin typeface="Cambria Math"/>
-                          </a:rPr>
-                          <m:t>−</m:t>
-                        </m:r>
-                        <m:r>
-                          <a:rPr lang="en-US" sz="1800" b="0" i="1" baseline="-25000">
-                            <a:latin typeface="Cambria Math"/>
-                          </a:rPr>
-                          <m:t>𝐿</m:t>
-                        </m:r>
-                      </m:num>
-                      <m:den>
-                        <m:r>
-                          <a:rPr lang="en-US" sz="1800" b="0" i="1">
-                            <a:latin typeface="Cambria Math"/>
-                          </a:rPr>
-                          <m:t>𝑅𝑒𝑓𝑒𝑟𝑒𝑛𝑐𝑒</m:t>
-                        </m:r>
-                        <m:r>
-                          <a:rPr lang="en-US" sz="1800" b="0" i="1">
-                            <a:solidFill>
-                              <a:schemeClr val="tx1"/>
-                            </a:solidFill>
-                            <a:effectLst/>
-                            <a:latin typeface="Cambria Math"/>
-                          </a:rPr>
-                          <m:t> </m:t>
-                        </m:r>
-                        <m:r>
-                          <a:rPr lang="en-US" sz="1800" b="0" i="1">
-                            <a:solidFill>
-                              <a:schemeClr val="tx1"/>
-                            </a:solidFill>
-                            <a:effectLst/>
-                            <a:latin typeface="Cambria Math"/>
-                          </a:rPr>
-                          <m:t>𝑋</m:t>
-                        </m:r>
-                        <m:r>
-                          <a:rPr lang="en-US" sz="1800" b="0" i="1">
-                            <a:solidFill>
-                              <a:schemeClr val="tx1"/>
-                            </a:solidFill>
-                            <a:effectLst/>
-                            <a:latin typeface="Cambria Math"/>
-                          </a:rPr>
-                          <m:t> </m:t>
-                        </m:r>
-                        <m:r>
-                          <a:rPr lang="en-US" sz="1800" b="0" i="1" baseline="-25000">
-                            <a:solidFill>
-                              <a:schemeClr val="tx1"/>
-                            </a:solidFill>
-                            <a:effectLst/>
-                            <a:latin typeface="Cambria Math"/>
-                          </a:rPr>
-                          <m:t>𝐵</m:t>
-                        </m:r>
-                        <m:r>
-                          <a:rPr lang="en-US" sz="1800" b="0" i="1" baseline="-25000">
-                            <a:solidFill>
-                              <a:schemeClr val="tx1"/>
-                            </a:solidFill>
-                            <a:effectLst/>
-                            <a:latin typeface="Cambria Math"/>
-                          </a:rPr>
-                          <m:t>−</m:t>
-                        </m:r>
-                        <m:r>
-                          <a:rPr lang="en-US" sz="1800" b="0" i="1" baseline="-25000">
-                            <a:solidFill>
-                              <a:schemeClr val="tx1"/>
-                            </a:solidFill>
-                            <a:effectLst/>
-                            <a:latin typeface="Cambria Math"/>
-                          </a:rPr>
-                          <m:t>𝐿</m:t>
-                        </m:r>
-                      </m:den>
-                    </m:f>
-                  </m:oMath>
-                </a14:m>
-                <a:endParaRPr lang="en-US" sz="1800" dirty="0">
-                  <a:latin typeface="Arial" panose="020B0604020202020204" pitchFamily="34" charset="0"/>
-                  <a:cs typeface="Arial" panose="020B0604020202020204" pitchFamily="34" charset="0"/>
-                </a:endParaRPr>
-              </a:p>
-            </p:txBody>
-          </p:sp>
-        </mc:Choice>
-        <mc:Fallback xmlns="">
-          <p:sp>
-            <p:nvSpPr>
-              <p:cNvPr id="32" name="TextBox 10"/>
-              <p:cNvSpPr txBox="1">
-                <a:spLocks noRot="1" noChangeAspect="1" noMove="1" noResize="1" noEditPoints="1" noAdjustHandles="1" noChangeArrowheads="1" noChangeShapeType="1" noTextEdit="1"/>
-              </p:cNvSpPr>
-              <p:nvPr/>
-            </p:nvSpPr>
-            <p:spPr>
-              <a:xfrm>
-                <a:off x="4572000" y="5638800"/>
-                <a:ext cx="3124200" cy="522579"/>
-              </a:xfrm>
-              <a:prstGeom prst="rect">
-                <a:avLst/>
-              </a:prstGeom>
-              <a:blipFill rotWithShape="1">
-                <a:blip r:embed="rId4"/>
-                <a:stretch>
-                  <a:fillRect l="-1559" b="-6977"/>
-                </a:stretch>
-              </a:blipFill>
-            </p:spPr>
-            <p:txBody>
-              <a:bodyPr/>
-              <a:lstStyle/>
-              <a:p>
-                <a:r>
-                  <a:rPr lang="en-US">
-                    <a:noFill/>
-                  </a:rPr>
-                  <a:t> </a:t>
-                </a:r>
-              </a:p>
-            </p:txBody>
-          </p:sp>
-        </mc:Fallback>
-      </mc:AlternateContent>
+      <p:sp>
+        <p:nvSpPr>
+          <p:cNvPr id="27" name="Rectangle 26"/>
+          <p:cNvSpPr/>
+          <p:nvPr/>
+        </p:nvSpPr>
+        <p:spPr>
+          <a:xfrm>
+            <a:off x="1828800" y="3762256"/>
+            <a:ext cx="461986" cy="335756"/>
+          </a:xfrm>
+          <a:prstGeom prst="rect">
+            <a:avLst/>
+          </a:prstGeom>
+        </p:spPr>
+        <p:txBody>
+          <a:bodyPr wrap="none">
+            <a:spAutoFit/>
+          </a:bodyPr>
+          <a:lstStyle/>
+          <a:p>
+            <a:r>
+              <a:rPr lang="en-US" dirty="0" smtClean="0">
+                <a:latin typeface="Arial" panose="020B0604020202020204" pitchFamily="34" charset="0"/>
+                <a:cs typeface="Arial" panose="020B0604020202020204" pitchFamily="34" charset="0"/>
+              </a:rPr>
+              <a:t>❶</a:t>
+            </a:r>
+            <a:endParaRPr lang="en-US" dirty="0">
+              <a:latin typeface="Arial" panose="020B0604020202020204" pitchFamily="34" charset="0"/>
+              <a:cs typeface="Arial" panose="020B0604020202020204" pitchFamily="34" charset="0"/>
+            </a:endParaRPr>
+          </a:p>
+        </p:txBody>
+      </p:sp>
     </p:spTree>
     <p:extLst>
       <p:ext uri="{BB962C8B-B14F-4D97-AF65-F5344CB8AC3E}">

--- a/_Experiments/_Surgery/_templates/LC-injection.pptx
+++ b/_Experiments/_Surgery/_templates/LC-injection.pptx
@@ -109,7 +109,7 @@
   </p:defaultTextStyle>
   <p:extLst>
     <p:ext uri="{EFAFB233-063F-42B5-8137-9DF3F51BA10A}">
-      <p15:sldGuideLst xmlns="" xmlns:p15="http://schemas.microsoft.com/office/powerpoint/2012/main">
+      <p15:sldGuideLst xmlns:p15="http://schemas.microsoft.com/office/powerpoint/2012/main" xmlns="">
         <p15:guide id="1" orient="horz" pos="2160">
           <p15:clr>
             <a:srgbClr val="A4A3A4"/>
@@ -208,7 +208,7 @@
           <a:p>
             <a:fld id="{46F8F2C1-8A14-4773-BC69-077AA6BEF8AA}" type="datetimeFigureOut">
               <a:rPr lang="en-US" smtClean="0"/>
-              <a:t>10/6/2017</a:t>
+              <a:t>11/15/2017</a:t>
             </a:fld>
             <a:endParaRPr lang="en-US"/>
           </a:p>
@@ -741,7 +741,7 @@
           <a:p>
             <a:fld id="{A4E24B33-863B-4BDB-B3BB-1315F1051867}" type="datetimeFigureOut">
               <a:rPr lang="en-US" smtClean="0"/>
-              <a:t>10/6/2017</a:t>
+              <a:t>11/15/2017</a:t>
             </a:fld>
             <a:endParaRPr lang="en-US"/>
           </a:p>
@@ -911,7 +911,7 @@
           <a:p>
             <a:fld id="{A4E24B33-863B-4BDB-B3BB-1315F1051867}" type="datetimeFigureOut">
               <a:rPr lang="en-US" smtClean="0"/>
-              <a:t>10/6/2017</a:t>
+              <a:t>11/15/2017</a:t>
             </a:fld>
             <a:endParaRPr lang="en-US"/>
           </a:p>
@@ -1091,7 +1091,7 @@
           <a:p>
             <a:fld id="{A4E24B33-863B-4BDB-B3BB-1315F1051867}" type="datetimeFigureOut">
               <a:rPr lang="en-US" smtClean="0"/>
-              <a:t>10/6/2017</a:t>
+              <a:t>11/15/2017</a:t>
             </a:fld>
             <a:endParaRPr lang="en-US"/>
           </a:p>
@@ -1261,7 +1261,7 @@
           <a:p>
             <a:fld id="{A4E24B33-863B-4BDB-B3BB-1315F1051867}" type="datetimeFigureOut">
               <a:rPr lang="en-US" smtClean="0"/>
-              <a:t>10/6/2017</a:t>
+              <a:t>11/15/2017</a:t>
             </a:fld>
             <a:endParaRPr lang="en-US"/>
           </a:p>
@@ -1507,7 +1507,7 @@
           <a:p>
             <a:fld id="{A4E24B33-863B-4BDB-B3BB-1315F1051867}" type="datetimeFigureOut">
               <a:rPr lang="en-US" smtClean="0"/>
-              <a:t>10/6/2017</a:t>
+              <a:t>11/15/2017</a:t>
             </a:fld>
             <a:endParaRPr lang="en-US"/>
           </a:p>
@@ -1795,7 +1795,7 @@
           <a:p>
             <a:fld id="{A4E24B33-863B-4BDB-B3BB-1315F1051867}" type="datetimeFigureOut">
               <a:rPr lang="en-US" smtClean="0"/>
-              <a:t>10/6/2017</a:t>
+              <a:t>11/15/2017</a:t>
             </a:fld>
             <a:endParaRPr lang="en-US"/>
           </a:p>
@@ -2217,7 +2217,7 @@
           <a:p>
             <a:fld id="{A4E24B33-863B-4BDB-B3BB-1315F1051867}" type="datetimeFigureOut">
               <a:rPr lang="en-US" smtClean="0"/>
-              <a:t>10/6/2017</a:t>
+              <a:t>11/15/2017</a:t>
             </a:fld>
             <a:endParaRPr lang="en-US"/>
           </a:p>
@@ -2335,7 +2335,7 @@
           <a:p>
             <a:fld id="{A4E24B33-863B-4BDB-B3BB-1315F1051867}" type="datetimeFigureOut">
               <a:rPr lang="en-US" smtClean="0"/>
-              <a:t>10/6/2017</a:t>
+              <a:t>11/15/2017</a:t>
             </a:fld>
             <a:endParaRPr lang="en-US"/>
           </a:p>
@@ -2430,7 +2430,7 @@
           <a:p>
             <a:fld id="{A4E24B33-863B-4BDB-B3BB-1315F1051867}" type="datetimeFigureOut">
               <a:rPr lang="en-US" smtClean="0"/>
-              <a:t>10/6/2017</a:t>
+              <a:t>11/15/2017</a:t>
             </a:fld>
             <a:endParaRPr lang="en-US"/>
           </a:p>
@@ -2707,7 +2707,7 @@
           <a:p>
             <a:fld id="{A4E24B33-863B-4BDB-B3BB-1315F1051867}" type="datetimeFigureOut">
               <a:rPr lang="en-US" smtClean="0"/>
-              <a:t>10/6/2017</a:t>
+              <a:t>11/15/2017</a:t>
             </a:fld>
             <a:endParaRPr lang="en-US"/>
           </a:p>
@@ -2960,7 +2960,7 @@
           <a:p>
             <a:fld id="{A4E24B33-863B-4BDB-B3BB-1315F1051867}" type="datetimeFigureOut">
               <a:rPr lang="en-US" smtClean="0"/>
-              <a:t>10/6/2017</a:t>
+              <a:t>11/15/2017</a:t>
             </a:fld>
             <a:endParaRPr lang="en-US"/>
           </a:p>
@@ -3173,7 +3173,7 @@
           <a:p>
             <a:fld id="{A4E24B33-863B-4BDB-B3BB-1315F1051867}" type="datetimeFigureOut">
               <a:rPr lang="en-US" smtClean="0"/>
-              <a:t>10/6/2017</a:t>
+              <a:t>11/15/2017</a:t>
             </a:fld>
             <a:endParaRPr lang="en-US"/>
           </a:p>
@@ -3557,7 +3557,7 @@
           <p:nvPr>
             <p:extLst>
               <p:ext uri="{D42A27DB-BD31-4B8C-83A1-F6EECF244321}">
-                <p14:modId xmlns:p14="http://schemas.microsoft.com/office/powerpoint/2010/main" val="2505569797"/>
+                <p14:modId xmlns:p14="http://schemas.microsoft.com/office/powerpoint/2010/main" val="1587062480"/>
               </p:ext>
             </p:extLst>
           </p:nvPr>
@@ -3729,38 +3729,14 @@
                           <a:effectLst/>
                           <a:latin typeface="Arial Black" panose="020B0A04020102020204" pitchFamily="34" charset="0"/>
                         </a:rPr>
-                        <a:t> (</a:t>
+                        <a:t> </a:t>
                       </a:r>
-                      <a:r>
-                        <a:rPr lang="en-US" sz="1200" u="none" strike="noStrike" dirty="0">
-                          <a:effectLst/>
-                          <a:latin typeface="Arial Black" panose="020B0A04020102020204" pitchFamily="34" charset="0"/>
-                        </a:rPr>
-                        <a:t>anterior)</a:t>
-                      </a:r>
-                      <a:endParaRPr lang="en-US" sz="1200" b="0" i="0" u="none" strike="noStrike" dirty="0">
-                        <a:solidFill>
-                          <a:srgbClr val="000000"/>
-                        </a:solidFill>
-                        <a:effectLst/>
-                        <a:latin typeface="Arial Black" panose="020B0A04020102020204" pitchFamily="34" charset="0"/>
-                      </a:endParaRPr>
-                    </a:p>
-                  </a:txBody>
-                  <a:tcPr marL="0" marR="0" marT="0" marB="0" anchor="ctr"/>
-                </a:tc>
-                <a:tc>
-                  <a:txBody>
-                    <a:bodyPr/>
-                    <a:lstStyle/>
-                    <a:p>
-                      <a:pPr algn="ctr" fontAlgn="t"/>
                       <a:r>
                         <a:rPr lang="en-US" sz="1200" u="none" strike="noStrike" dirty="0" smtClean="0">
                           <a:effectLst/>
                           <a:latin typeface="Arial Black" panose="020B0A04020102020204" pitchFamily="34" charset="0"/>
                         </a:rPr>
-                        <a:t>±1.20 (lateral</a:t>
+                        <a:t>mm (anterior</a:t>
                       </a:r>
                       <a:r>
                         <a:rPr lang="en-US" sz="1200" u="none" strike="noStrike" dirty="0">
@@ -3787,14 +3763,52 @@
                     <a:p>
                       <a:pPr algn="ctr" fontAlgn="t"/>
                       <a:r>
-                        <a:rPr lang="en-US" sz="1200" b="0" i="0" u="none" strike="noStrike" dirty="0" smtClean="0">
+                        <a:rPr lang="en-US" sz="1200" u="none" strike="noStrike" dirty="0" smtClean="0">
+                          <a:effectLst/>
+                          <a:latin typeface="Arial Black" panose="020B0A04020102020204" pitchFamily="34" charset="0"/>
+                        </a:rPr>
+                        <a:t>±1.20 </a:t>
+                      </a:r>
+                      <a:r>
+                        <a:rPr lang="en-US" sz="1200" u="none" strike="noStrike" dirty="0" smtClean="0">
+                          <a:effectLst/>
+                          <a:latin typeface="Arial Black" panose="020B0A04020102020204" pitchFamily="34" charset="0"/>
+                        </a:rPr>
+                        <a:t>mm (lateral</a:t>
+                      </a:r>
+                      <a:r>
+                        <a:rPr lang="en-US" sz="1200" u="none" strike="noStrike" dirty="0">
+                          <a:effectLst/>
+                          <a:latin typeface="Arial Black" panose="020B0A04020102020204" pitchFamily="34" charset="0"/>
+                        </a:rPr>
+                        <a:t>)</a:t>
+                      </a:r>
+                      <a:endParaRPr lang="en-US" sz="1200" b="0" i="0" u="none" strike="noStrike" dirty="0">
+                        <a:solidFill>
+                          <a:srgbClr val="000000"/>
+                        </a:solidFill>
+                        <a:effectLst/>
+                        <a:latin typeface="Arial Black" panose="020B0A04020102020204" pitchFamily="34" charset="0"/>
+                      </a:endParaRPr>
+                    </a:p>
+                  </a:txBody>
+                  <a:tcPr marL="0" marR="0" marT="0" marB="0" anchor="ctr"/>
+                </a:tc>
+                <a:tc>
+                  <a:txBody>
+                    <a:bodyPr/>
+                    <a:lstStyle/>
+                    <a:p>
+                      <a:pPr algn="ctr" fontAlgn="t"/>
+                      <a:r>
+                        <a:rPr lang="en-US" sz="1200" b="0" i="0" u="none" strike="noStrike" smtClean="0">
                           <a:solidFill>
                             <a:srgbClr val="000000"/>
                           </a:solidFill>
                           <a:effectLst/>
                           <a:latin typeface="Arial Black" panose="020B0A04020102020204" pitchFamily="34" charset="0"/>
                         </a:rPr>
-                        <a:t>-2.00</a:t>
+                        <a:t>-4.00 mm</a:t>
                       </a:r>
                       <a:endParaRPr lang="en-US" sz="1200" b="0" i="0" u="none" strike="noStrike" dirty="0">
                         <a:solidFill>

--- a/_Experiments/_Surgery/_templates/LC-injection.pptx
+++ b/_Experiments/_Surgery/_templates/LC-injection.pptx
@@ -208,7 +208,7 @@
           <a:p>
             <a:fld id="{46F8F2C1-8A14-4773-BC69-077AA6BEF8AA}" type="datetimeFigureOut">
               <a:rPr lang="en-US" smtClean="0"/>
-              <a:t>11/15/2017</a:t>
+              <a:t>2/14/2018</a:t>
             </a:fld>
             <a:endParaRPr lang="en-US"/>
           </a:p>
@@ -741,7 +741,7 @@
           <a:p>
             <a:fld id="{A4E24B33-863B-4BDB-B3BB-1315F1051867}" type="datetimeFigureOut">
               <a:rPr lang="en-US" smtClean="0"/>
-              <a:t>11/15/2017</a:t>
+              <a:t>2/14/2018</a:t>
             </a:fld>
             <a:endParaRPr lang="en-US"/>
           </a:p>
@@ -911,7 +911,7 @@
           <a:p>
             <a:fld id="{A4E24B33-863B-4BDB-B3BB-1315F1051867}" type="datetimeFigureOut">
               <a:rPr lang="en-US" smtClean="0"/>
-              <a:t>11/15/2017</a:t>
+              <a:t>2/14/2018</a:t>
             </a:fld>
             <a:endParaRPr lang="en-US"/>
           </a:p>
@@ -1091,7 +1091,7 @@
           <a:p>
             <a:fld id="{A4E24B33-863B-4BDB-B3BB-1315F1051867}" type="datetimeFigureOut">
               <a:rPr lang="en-US" smtClean="0"/>
-              <a:t>11/15/2017</a:t>
+              <a:t>2/14/2018</a:t>
             </a:fld>
             <a:endParaRPr lang="en-US"/>
           </a:p>
@@ -1261,7 +1261,7 @@
           <a:p>
             <a:fld id="{A4E24B33-863B-4BDB-B3BB-1315F1051867}" type="datetimeFigureOut">
               <a:rPr lang="en-US" smtClean="0"/>
-              <a:t>11/15/2017</a:t>
+              <a:t>2/14/2018</a:t>
             </a:fld>
             <a:endParaRPr lang="en-US"/>
           </a:p>
@@ -1507,7 +1507,7 @@
           <a:p>
             <a:fld id="{A4E24B33-863B-4BDB-B3BB-1315F1051867}" type="datetimeFigureOut">
               <a:rPr lang="en-US" smtClean="0"/>
-              <a:t>11/15/2017</a:t>
+              <a:t>2/14/2018</a:t>
             </a:fld>
             <a:endParaRPr lang="en-US"/>
           </a:p>
@@ -1795,7 +1795,7 @@
           <a:p>
             <a:fld id="{A4E24B33-863B-4BDB-B3BB-1315F1051867}" type="datetimeFigureOut">
               <a:rPr lang="en-US" smtClean="0"/>
-              <a:t>11/15/2017</a:t>
+              <a:t>2/14/2018</a:t>
             </a:fld>
             <a:endParaRPr lang="en-US"/>
           </a:p>
@@ -2217,7 +2217,7 @@
           <a:p>
             <a:fld id="{A4E24B33-863B-4BDB-B3BB-1315F1051867}" type="datetimeFigureOut">
               <a:rPr lang="en-US" smtClean="0"/>
-              <a:t>11/15/2017</a:t>
+              <a:t>2/14/2018</a:t>
             </a:fld>
             <a:endParaRPr lang="en-US"/>
           </a:p>
@@ -2335,7 +2335,7 @@
           <a:p>
             <a:fld id="{A4E24B33-863B-4BDB-B3BB-1315F1051867}" type="datetimeFigureOut">
               <a:rPr lang="en-US" smtClean="0"/>
-              <a:t>11/15/2017</a:t>
+              <a:t>2/14/2018</a:t>
             </a:fld>
             <a:endParaRPr lang="en-US"/>
           </a:p>
@@ -2430,7 +2430,7 @@
           <a:p>
             <a:fld id="{A4E24B33-863B-4BDB-B3BB-1315F1051867}" type="datetimeFigureOut">
               <a:rPr lang="en-US" smtClean="0"/>
-              <a:t>11/15/2017</a:t>
+              <a:t>2/14/2018</a:t>
             </a:fld>
             <a:endParaRPr lang="en-US"/>
           </a:p>
@@ -2707,7 +2707,7 @@
           <a:p>
             <a:fld id="{A4E24B33-863B-4BDB-B3BB-1315F1051867}" type="datetimeFigureOut">
               <a:rPr lang="en-US" smtClean="0"/>
-              <a:t>11/15/2017</a:t>
+              <a:t>2/14/2018</a:t>
             </a:fld>
             <a:endParaRPr lang="en-US"/>
           </a:p>
@@ -2960,7 +2960,7 @@
           <a:p>
             <a:fld id="{A4E24B33-863B-4BDB-B3BB-1315F1051867}" type="datetimeFigureOut">
               <a:rPr lang="en-US" smtClean="0"/>
-              <a:t>11/15/2017</a:t>
+              <a:t>2/14/2018</a:t>
             </a:fld>
             <a:endParaRPr lang="en-US"/>
           </a:p>
@@ -3173,7 +3173,7 @@
           <a:p>
             <a:fld id="{A4E24B33-863B-4BDB-B3BB-1315F1051867}" type="datetimeFigureOut">
               <a:rPr lang="en-US" smtClean="0"/>
-              <a:t>11/15/2017</a:t>
+              <a:t>2/14/2018</a:t>
             </a:fld>
             <a:endParaRPr lang="en-US"/>
           </a:p>
@@ -3557,14 +3557,14 @@
           <p:nvPr>
             <p:extLst>
               <p:ext uri="{D42A27DB-BD31-4B8C-83A1-F6EECF244321}">
-                <p14:modId xmlns:p14="http://schemas.microsoft.com/office/powerpoint/2010/main" val="1587062480"/>
+                <p14:modId xmlns:p14="http://schemas.microsoft.com/office/powerpoint/2010/main" val="1250174837"/>
               </p:ext>
             </p:extLst>
           </p:nvPr>
         </p:nvGraphicFramePr>
         <p:xfrm>
           <a:off x="4038600" y="978932"/>
-          <a:ext cx="4155046" cy="2072986"/>
+          <a:ext cx="4155046" cy="987136"/>
         </p:xfrm>
         <a:graphic>
           <a:graphicData uri="http://schemas.openxmlformats.org/drawingml/2006/table">
@@ -3722,21 +3722,14 @@
                           <a:effectLst/>
                           <a:latin typeface="Arial Black" panose="020B0A04020102020204" pitchFamily="34" charset="0"/>
                         </a:rPr>
-                        <a:t> 5.45</a:t>
+                        <a:t>6.45</a:t>
                       </a:r>
                       <a:r>
                         <a:rPr lang="en-US" sz="1200" u="none" strike="noStrike" dirty="0" smtClean="0">
                           <a:effectLst/>
                           <a:latin typeface="Arial Black" panose="020B0A04020102020204" pitchFamily="34" charset="0"/>
                         </a:rPr>
-                        <a:t> </a:t>
-                      </a:r>
-                      <a:r>
-                        <a:rPr lang="en-US" sz="1200" u="none" strike="noStrike" dirty="0" smtClean="0">
-                          <a:effectLst/>
-                          <a:latin typeface="Arial Black" panose="020B0A04020102020204" pitchFamily="34" charset="0"/>
-                        </a:rPr>
-                        <a:t>mm (anterior</a:t>
+                        <a:t> mm (anterior</a:t>
                       </a:r>
                       <a:r>
                         <a:rPr lang="en-US" sz="1200" u="none" strike="noStrike" dirty="0">
@@ -3767,7 +3760,14 @@
                           <a:effectLst/>
                           <a:latin typeface="Arial Black" panose="020B0A04020102020204" pitchFamily="34" charset="0"/>
                         </a:rPr>
-                        <a:t>±1.20 </a:t>
+                        <a:t>±</a:t>
+                      </a:r>
+                      <a:r>
+                        <a:rPr lang="en-US" sz="1200" u="none" strike="noStrike" dirty="0" smtClean="0">
+                          <a:effectLst/>
+                          <a:latin typeface="Arial Black" panose="020B0A04020102020204" pitchFamily="34" charset="0"/>
+                        </a:rPr>
+                        <a:t>1.00 </a:t>
                       </a:r>
                       <a:r>
                         <a:rPr lang="en-US" sz="1200" u="none" strike="noStrike" dirty="0" smtClean="0">
@@ -3801,155 +3801,15 @@
                     <a:p>
                       <a:pPr algn="ctr" fontAlgn="t"/>
                       <a:r>
-                        <a:rPr lang="en-US" sz="1200" b="0" i="0" u="none" strike="noStrike" smtClean="0">
+                        <a:rPr lang="en-US" sz="1200" b="0" i="0" u="none" strike="noStrike" dirty="0" smtClean="0">
                           <a:solidFill>
                             <a:srgbClr val="000000"/>
                           </a:solidFill>
                           <a:effectLst/>
                           <a:latin typeface="Arial Black" panose="020B0A04020102020204" pitchFamily="34" charset="0"/>
                         </a:rPr>
-                        <a:t>-4.00 mm</a:t>
+                        <a:t>-3.50 mm</a:t>
                       </a:r>
-                      <a:endParaRPr lang="en-US" sz="1200" b="0" i="0" u="none" strike="noStrike" dirty="0">
-                        <a:solidFill>
-                          <a:srgbClr val="000000"/>
-                        </a:solidFill>
-                        <a:effectLst/>
-                        <a:latin typeface="Arial Black" panose="020B0A04020102020204" pitchFamily="34" charset="0"/>
-                      </a:endParaRPr>
-                    </a:p>
-                  </a:txBody>
-                  <a:tcPr marL="0" marR="0" marT="0" marB="0" anchor="ctr"/>
-                </a:tc>
-              </a:tr>
-              <a:tr h="493568">
-                <a:tc>
-                  <a:txBody>
-                    <a:bodyPr/>
-                    <a:lstStyle/>
-                    <a:p>
-                      <a:pPr algn="ctr" fontAlgn="t"/>
-                      <a:endParaRPr lang="en-US" sz="1200" b="0" i="0" u="none" strike="noStrike" dirty="0">
-                        <a:solidFill>
-                          <a:srgbClr val="000000"/>
-                        </a:solidFill>
-                        <a:effectLst/>
-                        <a:latin typeface="Arial Black" panose="020B0A04020102020204" pitchFamily="34" charset="0"/>
-                      </a:endParaRPr>
-                    </a:p>
-                  </a:txBody>
-                  <a:tcPr marL="0" marR="0" marT="0" marB="0" anchor="ctr"/>
-                </a:tc>
-                <a:tc>
-                  <a:txBody>
-                    <a:bodyPr/>
-                    <a:lstStyle/>
-                    <a:p>
-                      <a:pPr algn="ctr" fontAlgn="t"/>
-                      <a:endParaRPr lang="en-US" sz="1200" b="0" i="0" u="none" strike="noStrike" dirty="0">
-                        <a:solidFill>
-                          <a:srgbClr val="000000"/>
-                        </a:solidFill>
-                        <a:effectLst/>
-                        <a:latin typeface="Arial Black" panose="020B0A04020102020204" pitchFamily="34" charset="0"/>
-                      </a:endParaRPr>
-                    </a:p>
-                  </a:txBody>
-                  <a:tcPr marL="0" marR="0" marT="0" marB="0" anchor="ctr"/>
-                </a:tc>
-                <a:tc>
-                  <a:txBody>
-                    <a:bodyPr/>
-                    <a:lstStyle/>
-                    <a:p>
-                      <a:pPr algn="ctr" fontAlgn="t"/>
-                      <a:endParaRPr lang="en-US" sz="1200" b="0" i="0" u="none" strike="noStrike" dirty="0">
-                        <a:solidFill>
-                          <a:srgbClr val="000000"/>
-                        </a:solidFill>
-                        <a:effectLst/>
-                        <a:latin typeface="Arial Black" panose="020B0A04020102020204" pitchFamily="34" charset="0"/>
-                      </a:endParaRPr>
-                    </a:p>
-                  </a:txBody>
-                  <a:tcPr marL="0" marR="0" marT="0" marB="0" anchor="ctr"/>
-                </a:tc>
-                <a:tc>
-                  <a:txBody>
-                    <a:bodyPr/>
-                    <a:lstStyle/>
-                    <a:p>
-                      <a:pPr algn="ctr" fontAlgn="t"/>
-                      <a:endParaRPr lang="en-US" sz="1200" b="0" i="0" u="none" strike="noStrike" dirty="0">
-                        <a:solidFill>
-                          <a:srgbClr val="000000"/>
-                        </a:solidFill>
-                        <a:effectLst/>
-                        <a:latin typeface="Arial Black" panose="020B0A04020102020204" pitchFamily="34" charset="0"/>
-                      </a:endParaRPr>
-                    </a:p>
-                  </a:txBody>
-                  <a:tcPr marL="0" marR="0" marT="0" marB="0" anchor="ctr"/>
-                </a:tc>
-              </a:tr>
-              <a:tr h="592282">
-                <a:tc>
-                  <a:txBody>
-                    <a:bodyPr/>
-                    <a:lstStyle/>
-                    <a:p>
-                      <a:pPr algn="ctr" fontAlgn="t"/>
-                      <a:endParaRPr lang="en-US" sz="1200" b="0" i="0" u="none" strike="noStrike" dirty="0">
-                        <a:solidFill>
-                          <a:srgbClr val="000000"/>
-                        </a:solidFill>
-                        <a:effectLst/>
-                        <a:latin typeface="Arial Black" panose="020B0A04020102020204" pitchFamily="34" charset="0"/>
-                      </a:endParaRPr>
-                    </a:p>
-                  </a:txBody>
-                  <a:tcPr marL="0" marR="0" marT="0" marB="0" anchor="ctr"/>
-                </a:tc>
-                <a:tc>
-                  <a:txBody>
-                    <a:bodyPr/>
-                    <a:lstStyle/>
-                    <a:p>
-                      <a:pPr algn="ctr" fontAlgn="t"/>
-                      <a:endParaRPr lang="en-US" sz="1200" b="0" i="0" u="none" strike="noStrike" dirty="0">
-                        <a:solidFill>
-                          <a:srgbClr val="000000"/>
-                        </a:solidFill>
-                        <a:effectLst/>
-                        <a:latin typeface="Arial Black" panose="020B0A04020102020204" pitchFamily="34" charset="0"/>
-                      </a:endParaRPr>
-                    </a:p>
-                  </a:txBody>
-                  <a:tcPr marL="0" marR="0" marT="0" marB="0" anchor="ctr"/>
-                </a:tc>
-                <a:tc>
-                  <a:txBody>
-                    <a:bodyPr/>
-                    <a:lstStyle/>
-                    <a:p>
-                      <a:pPr algn="ctr" fontAlgn="t"/>
-                      <a:endParaRPr lang="en-US" sz="1200" b="0" i="0" u="none" strike="noStrike" dirty="0">
-                        <a:solidFill>
-                          <a:srgbClr val="000000"/>
-                        </a:solidFill>
-                        <a:effectLst/>
-                        <a:latin typeface="Arial Black" panose="020B0A04020102020204" pitchFamily="34" charset="0"/>
-                      </a:endParaRPr>
-                    </a:p>
-                  </a:txBody>
-                  <a:tcPr marL="0" marR="0" marT="0" marB="0" anchor="ctr"/>
-                </a:tc>
-                <a:tc>
-                  <a:txBody>
-                    <a:bodyPr/>
-                    <a:lstStyle/>
-                    <a:p>
-                      <a:pPr algn="ctr" fontAlgn="t"/>
                       <a:endParaRPr lang="en-US" sz="1200" b="0" i="0" u="none" strike="noStrike" dirty="0">
                         <a:solidFill>
                           <a:srgbClr val="000000"/>
@@ -4424,7 +4284,7 @@
           </p:nvSpPr>
           <p:spPr>
             <a:xfrm>
-              <a:off x="1669956" y="1143000"/>
+              <a:off x="1517556" y="1143000"/>
               <a:ext cx="1454244" cy="369332"/>
             </a:xfrm>
             <a:prstGeom prst="rect">
@@ -4461,7 +4321,7 @@
         </p:nvSpPr>
         <p:spPr>
           <a:xfrm>
-            <a:off x="1066800" y="4736068"/>
+            <a:off x="1102902" y="4267200"/>
             <a:ext cx="2402298" cy="369332"/>
           </a:xfrm>
           <a:prstGeom prst="rect">
@@ -4487,54 +4347,6 @@
               <a:latin typeface="Arial" panose="020B0604020202020204" pitchFamily="34" charset="0"/>
               <a:cs typeface="Arial" panose="020B0604020202020204" pitchFamily="34" charset="0"/>
             </a:endParaRPr>
-          </a:p>
-        </p:txBody>
-      </p:sp>
-      <p:sp>
-        <p:nvSpPr>
-          <p:cNvPr id="30" name="Rectangle 29"/>
-          <p:cNvSpPr/>
-          <p:nvPr/>
-        </p:nvSpPr>
-        <p:spPr>
-          <a:xfrm>
-            <a:off x="2316366" y="1524000"/>
-            <a:ext cx="274434" cy="369332"/>
-          </a:xfrm>
-          <a:prstGeom prst="rect">
-            <a:avLst/>
-          </a:prstGeom>
-        </p:spPr>
-        <p:style>
-          <a:lnRef idx="1">
-            <a:schemeClr val="dk1"/>
-          </a:lnRef>
-          <a:fillRef idx="3">
-            <a:schemeClr val="dk1"/>
-          </a:fillRef>
-          <a:effectRef idx="2">
-            <a:schemeClr val="dk1"/>
-          </a:effectRef>
-          <a:fontRef idx="minor">
-            <a:schemeClr val="lt1"/>
-          </a:fontRef>
-        </p:style>
-        <p:txBody>
-          <a:bodyPr wrap="none">
-            <a:spAutoFit/>
-          </a:bodyPr>
-          <a:lstStyle/>
-          <a:p>
-            <a:r>
-              <a:rPr lang="en-US" dirty="0">
-                <a:solidFill>
-                  <a:schemeClr val="bg1"/>
-                </a:solidFill>
-                <a:latin typeface="Arial" panose="020B0604020202020204" pitchFamily="34" charset="0"/>
-                <a:cs typeface="Arial" panose="020B0604020202020204" pitchFamily="34" charset="0"/>
-              </a:rPr>
-              <a:t>*</a:t>
-            </a:r>
           </a:p>
         </p:txBody>
       </p:sp>

--- a/_Experiments/_Surgery/_templates/LC-injection.pptx
+++ b/_Experiments/_Surgery/_templates/LC-injection.pptx
@@ -109,7 +109,7 @@
   </p:defaultTextStyle>
   <p:extLst>
     <p:ext uri="{EFAFB233-063F-42B5-8137-9DF3F51BA10A}">
-      <p15:sldGuideLst xmlns:p15="http://schemas.microsoft.com/office/powerpoint/2012/main" xmlns="">
+      <p15:sldGuideLst xmlns="" xmlns:p15="http://schemas.microsoft.com/office/powerpoint/2012/main">
         <p15:guide id="1" orient="horz" pos="2160">
           <p15:clr>
             <a:srgbClr val="A4A3A4"/>
@@ -208,7 +208,7 @@
           <a:p>
             <a:fld id="{46F8F2C1-8A14-4773-BC69-077AA6BEF8AA}" type="datetimeFigureOut">
               <a:rPr lang="en-US" smtClean="0"/>
-              <a:t>2/14/2018</a:t>
+              <a:t>4/3/2018</a:t>
             </a:fld>
             <a:endParaRPr lang="en-US"/>
           </a:p>
@@ -741,7 +741,7 @@
           <a:p>
             <a:fld id="{A4E24B33-863B-4BDB-B3BB-1315F1051867}" type="datetimeFigureOut">
               <a:rPr lang="en-US" smtClean="0"/>
-              <a:t>2/14/2018</a:t>
+              <a:t>4/3/2018</a:t>
             </a:fld>
             <a:endParaRPr lang="en-US"/>
           </a:p>
@@ -911,7 +911,7 @@
           <a:p>
             <a:fld id="{A4E24B33-863B-4BDB-B3BB-1315F1051867}" type="datetimeFigureOut">
               <a:rPr lang="en-US" smtClean="0"/>
-              <a:t>2/14/2018</a:t>
+              <a:t>4/3/2018</a:t>
             </a:fld>
             <a:endParaRPr lang="en-US"/>
           </a:p>
@@ -1091,7 +1091,7 @@
           <a:p>
             <a:fld id="{A4E24B33-863B-4BDB-B3BB-1315F1051867}" type="datetimeFigureOut">
               <a:rPr lang="en-US" smtClean="0"/>
-              <a:t>2/14/2018</a:t>
+              <a:t>4/3/2018</a:t>
             </a:fld>
             <a:endParaRPr lang="en-US"/>
           </a:p>
@@ -1261,7 +1261,7 @@
           <a:p>
             <a:fld id="{A4E24B33-863B-4BDB-B3BB-1315F1051867}" type="datetimeFigureOut">
               <a:rPr lang="en-US" smtClean="0"/>
-              <a:t>2/14/2018</a:t>
+              <a:t>4/3/2018</a:t>
             </a:fld>
             <a:endParaRPr lang="en-US"/>
           </a:p>
@@ -1507,7 +1507,7 @@
           <a:p>
             <a:fld id="{A4E24B33-863B-4BDB-B3BB-1315F1051867}" type="datetimeFigureOut">
               <a:rPr lang="en-US" smtClean="0"/>
-              <a:t>2/14/2018</a:t>
+              <a:t>4/3/2018</a:t>
             </a:fld>
             <a:endParaRPr lang="en-US"/>
           </a:p>
@@ -1795,7 +1795,7 @@
           <a:p>
             <a:fld id="{A4E24B33-863B-4BDB-B3BB-1315F1051867}" type="datetimeFigureOut">
               <a:rPr lang="en-US" smtClean="0"/>
-              <a:t>2/14/2018</a:t>
+              <a:t>4/3/2018</a:t>
             </a:fld>
             <a:endParaRPr lang="en-US"/>
           </a:p>
@@ -2217,7 +2217,7 @@
           <a:p>
             <a:fld id="{A4E24B33-863B-4BDB-B3BB-1315F1051867}" type="datetimeFigureOut">
               <a:rPr lang="en-US" smtClean="0"/>
-              <a:t>2/14/2018</a:t>
+              <a:t>4/3/2018</a:t>
             </a:fld>
             <a:endParaRPr lang="en-US"/>
           </a:p>
@@ -2335,7 +2335,7 @@
           <a:p>
             <a:fld id="{A4E24B33-863B-4BDB-B3BB-1315F1051867}" type="datetimeFigureOut">
               <a:rPr lang="en-US" smtClean="0"/>
-              <a:t>2/14/2018</a:t>
+              <a:t>4/3/2018</a:t>
             </a:fld>
             <a:endParaRPr lang="en-US"/>
           </a:p>
@@ -2430,7 +2430,7 @@
           <a:p>
             <a:fld id="{A4E24B33-863B-4BDB-B3BB-1315F1051867}" type="datetimeFigureOut">
               <a:rPr lang="en-US" smtClean="0"/>
-              <a:t>2/14/2018</a:t>
+              <a:t>4/3/2018</a:t>
             </a:fld>
             <a:endParaRPr lang="en-US"/>
           </a:p>
@@ -2707,7 +2707,7 @@
           <a:p>
             <a:fld id="{A4E24B33-863B-4BDB-B3BB-1315F1051867}" type="datetimeFigureOut">
               <a:rPr lang="en-US" smtClean="0"/>
-              <a:t>2/14/2018</a:t>
+              <a:t>4/3/2018</a:t>
             </a:fld>
             <a:endParaRPr lang="en-US"/>
           </a:p>
@@ -2960,7 +2960,7 @@
           <a:p>
             <a:fld id="{A4E24B33-863B-4BDB-B3BB-1315F1051867}" type="datetimeFigureOut">
               <a:rPr lang="en-US" smtClean="0"/>
-              <a:t>2/14/2018</a:t>
+              <a:t>4/3/2018</a:t>
             </a:fld>
             <a:endParaRPr lang="en-US"/>
           </a:p>
@@ -3173,7 +3173,7 @@
           <a:p>
             <a:fld id="{A4E24B33-863B-4BDB-B3BB-1315F1051867}" type="datetimeFigureOut">
               <a:rPr lang="en-US" smtClean="0"/>
-              <a:t>2/14/2018</a:t>
+              <a:t>4/3/2018</a:t>
             </a:fld>
             <a:endParaRPr lang="en-US"/>
           </a:p>
@@ -3557,7 +3557,7 @@
           <p:nvPr>
             <p:extLst>
               <p:ext uri="{D42A27DB-BD31-4B8C-83A1-F6EECF244321}">
-                <p14:modId xmlns:p14="http://schemas.microsoft.com/office/powerpoint/2010/main" val="1250174837"/>
+                <p14:modId xmlns:p14="http://schemas.microsoft.com/office/powerpoint/2010/main" val="272587761"/>
               </p:ext>
             </p:extLst>
           </p:nvPr>
@@ -3722,14 +3722,21 @@
                           <a:effectLst/>
                           <a:latin typeface="Arial Black" panose="020B0A04020102020204" pitchFamily="34" charset="0"/>
                         </a:rPr>
-                        <a:t>6.45</a:t>
+                        <a:t>5.50</a:t>
                       </a:r>
                       <a:r>
                         <a:rPr lang="en-US" sz="1200" u="none" strike="noStrike" dirty="0" smtClean="0">
                           <a:effectLst/>
                           <a:latin typeface="Arial Black" panose="020B0A04020102020204" pitchFamily="34" charset="0"/>
                         </a:rPr>
-                        <a:t> mm (anterior</a:t>
+                        <a:t> </a:t>
+                      </a:r>
+                      <a:r>
+                        <a:rPr lang="en-US" sz="1200" u="none" strike="noStrike" dirty="0" smtClean="0">
+                          <a:effectLst/>
+                          <a:latin typeface="Arial Black" panose="020B0A04020102020204" pitchFamily="34" charset="0"/>
+                        </a:rPr>
+                        <a:t>mm (anterior</a:t>
                       </a:r>
                       <a:r>
                         <a:rPr lang="en-US" sz="1200" u="none" strike="noStrike" dirty="0">
@@ -3760,14 +3767,7 @@
                           <a:effectLst/>
                           <a:latin typeface="Arial Black" panose="020B0A04020102020204" pitchFamily="34" charset="0"/>
                         </a:rPr>
-                        <a:t>±</a:t>
-                      </a:r>
-                      <a:r>
-                        <a:rPr lang="en-US" sz="1200" u="none" strike="noStrike" dirty="0" smtClean="0">
-                          <a:effectLst/>
-                          <a:latin typeface="Arial Black" panose="020B0A04020102020204" pitchFamily="34" charset="0"/>
-                        </a:rPr>
-                        <a:t>1.00 </a:t>
+                        <a:t>±0.85 </a:t>
                       </a:r>
                       <a:r>
                         <a:rPr lang="en-US" sz="1200" u="none" strike="noStrike" dirty="0" smtClean="0">

--- a/_Experiments/_Surgery/_templates/LC-injection.pptx
+++ b/_Experiments/_Surgery/_templates/LC-injection.pptx
@@ -109,7 +109,7 @@
   </p:defaultTextStyle>
   <p:extLst>
     <p:ext uri="{EFAFB233-063F-42B5-8137-9DF3F51BA10A}">
-      <p15:sldGuideLst xmlns="" xmlns:p15="http://schemas.microsoft.com/office/powerpoint/2012/main">
+      <p15:sldGuideLst xmlns:p15="http://schemas.microsoft.com/office/powerpoint/2012/main" xmlns="">
         <p15:guide id="1" orient="horz" pos="2160">
           <p15:clr>
             <a:srgbClr val="A4A3A4"/>
@@ -208,7 +208,7 @@
           <a:p>
             <a:fld id="{46F8F2C1-8A14-4773-BC69-077AA6BEF8AA}" type="datetimeFigureOut">
               <a:rPr lang="en-US" smtClean="0"/>
-              <a:t>4/3/2018</a:t>
+              <a:t>5/30/2018</a:t>
             </a:fld>
             <a:endParaRPr lang="en-US"/>
           </a:p>
@@ -741,7 +741,7 @@
           <a:p>
             <a:fld id="{A4E24B33-863B-4BDB-B3BB-1315F1051867}" type="datetimeFigureOut">
               <a:rPr lang="en-US" smtClean="0"/>
-              <a:t>4/3/2018</a:t>
+              <a:t>5/30/2018</a:t>
             </a:fld>
             <a:endParaRPr lang="en-US"/>
           </a:p>
@@ -911,7 +911,7 @@
           <a:p>
             <a:fld id="{A4E24B33-863B-4BDB-B3BB-1315F1051867}" type="datetimeFigureOut">
               <a:rPr lang="en-US" smtClean="0"/>
-              <a:t>4/3/2018</a:t>
+              <a:t>5/30/2018</a:t>
             </a:fld>
             <a:endParaRPr lang="en-US"/>
           </a:p>
@@ -1091,7 +1091,7 @@
           <a:p>
             <a:fld id="{A4E24B33-863B-4BDB-B3BB-1315F1051867}" type="datetimeFigureOut">
               <a:rPr lang="en-US" smtClean="0"/>
-              <a:t>4/3/2018</a:t>
+              <a:t>5/30/2018</a:t>
             </a:fld>
             <a:endParaRPr lang="en-US"/>
           </a:p>
@@ -1261,7 +1261,7 @@
           <a:p>
             <a:fld id="{A4E24B33-863B-4BDB-B3BB-1315F1051867}" type="datetimeFigureOut">
               <a:rPr lang="en-US" smtClean="0"/>
-              <a:t>4/3/2018</a:t>
+              <a:t>5/30/2018</a:t>
             </a:fld>
             <a:endParaRPr lang="en-US"/>
           </a:p>
@@ -1507,7 +1507,7 @@
           <a:p>
             <a:fld id="{A4E24B33-863B-4BDB-B3BB-1315F1051867}" type="datetimeFigureOut">
               <a:rPr lang="en-US" smtClean="0"/>
-              <a:t>4/3/2018</a:t>
+              <a:t>5/30/2018</a:t>
             </a:fld>
             <a:endParaRPr lang="en-US"/>
           </a:p>
@@ -1795,7 +1795,7 @@
           <a:p>
             <a:fld id="{A4E24B33-863B-4BDB-B3BB-1315F1051867}" type="datetimeFigureOut">
               <a:rPr lang="en-US" smtClean="0"/>
-              <a:t>4/3/2018</a:t>
+              <a:t>5/30/2018</a:t>
             </a:fld>
             <a:endParaRPr lang="en-US"/>
           </a:p>
@@ -2217,7 +2217,7 @@
           <a:p>
             <a:fld id="{A4E24B33-863B-4BDB-B3BB-1315F1051867}" type="datetimeFigureOut">
               <a:rPr lang="en-US" smtClean="0"/>
-              <a:t>4/3/2018</a:t>
+              <a:t>5/30/2018</a:t>
             </a:fld>
             <a:endParaRPr lang="en-US"/>
           </a:p>
@@ -2335,7 +2335,7 @@
           <a:p>
             <a:fld id="{A4E24B33-863B-4BDB-B3BB-1315F1051867}" type="datetimeFigureOut">
               <a:rPr lang="en-US" smtClean="0"/>
-              <a:t>4/3/2018</a:t>
+              <a:t>5/30/2018</a:t>
             </a:fld>
             <a:endParaRPr lang="en-US"/>
           </a:p>
@@ -2430,7 +2430,7 @@
           <a:p>
             <a:fld id="{A4E24B33-863B-4BDB-B3BB-1315F1051867}" type="datetimeFigureOut">
               <a:rPr lang="en-US" smtClean="0"/>
-              <a:t>4/3/2018</a:t>
+              <a:t>5/30/2018</a:t>
             </a:fld>
             <a:endParaRPr lang="en-US"/>
           </a:p>
@@ -2707,7 +2707,7 @@
           <a:p>
             <a:fld id="{A4E24B33-863B-4BDB-B3BB-1315F1051867}" type="datetimeFigureOut">
               <a:rPr lang="en-US" smtClean="0"/>
-              <a:t>4/3/2018</a:t>
+              <a:t>5/30/2018</a:t>
             </a:fld>
             <a:endParaRPr lang="en-US"/>
           </a:p>
@@ -2960,7 +2960,7 @@
           <a:p>
             <a:fld id="{A4E24B33-863B-4BDB-B3BB-1315F1051867}" type="datetimeFigureOut">
               <a:rPr lang="en-US" smtClean="0"/>
-              <a:t>4/3/2018</a:t>
+              <a:t>5/30/2018</a:t>
             </a:fld>
             <a:endParaRPr lang="en-US"/>
           </a:p>
@@ -3173,7 +3173,7 @@
           <a:p>
             <a:fld id="{A4E24B33-863B-4BDB-B3BB-1315F1051867}" type="datetimeFigureOut">
               <a:rPr lang="en-US" smtClean="0"/>
-              <a:t>4/3/2018</a:t>
+              <a:t>5/30/2018</a:t>
             </a:fld>
             <a:endParaRPr lang="en-US"/>
           </a:p>
@@ -3557,7 +3557,7 @@
           <p:nvPr>
             <p:extLst>
               <p:ext uri="{D42A27DB-BD31-4B8C-83A1-F6EECF244321}">
-                <p14:modId xmlns:p14="http://schemas.microsoft.com/office/powerpoint/2010/main" val="272587761"/>
+                <p14:modId xmlns:p14="http://schemas.microsoft.com/office/powerpoint/2010/main" val="730553185"/>
               </p:ext>
             </p:extLst>
           </p:nvPr>
@@ -3729,14 +3729,7 @@
                           <a:effectLst/>
                           <a:latin typeface="Arial Black" panose="020B0A04020102020204" pitchFamily="34" charset="0"/>
                         </a:rPr>
-                        <a:t> </a:t>
-                      </a:r>
-                      <a:r>
-                        <a:rPr lang="en-US" sz="1200" u="none" strike="noStrike" dirty="0" smtClean="0">
-                          <a:effectLst/>
-                          <a:latin typeface="Arial Black" panose="020B0A04020102020204" pitchFamily="34" charset="0"/>
-                        </a:rPr>
-                        <a:t>mm (anterior</a:t>
+                        <a:t> mm (anterior</a:t>
                       </a:r>
                       <a:r>
                         <a:rPr lang="en-US" sz="1200" u="none" strike="noStrike" dirty="0">
@@ -3767,14 +3760,7 @@
                           <a:effectLst/>
                           <a:latin typeface="Arial Black" panose="020B0A04020102020204" pitchFamily="34" charset="0"/>
                         </a:rPr>
-                        <a:t>±0.85 </a:t>
-                      </a:r>
-                      <a:r>
-                        <a:rPr lang="en-US" sz="1200" u="none" strike="noStrike" dirty="0" smtClean="0">
-                          <a:effectLst/>
-                          <a:latin typeface="Arial Black" panose="020B0A04020102020204" pitchFamily="34" charset="0"/>
-                        </a:rPr>
-                        <a:t>mm (lateral</a:t>
+                        <a:t>±0.85 mm (lateral</a:t>
                       </a:r>
                       <a:r>
                         <a:rPr lang="en-US" sz="1200" u="none" strike="noStrike" dirty="0">
@@ -3808,7 +3794,27 @@
                           <a:effectLst/>
                           <a:latin typeface="Arial Black" panose="020B0A04020102020204" pitchFamily="34" charset="0"/>
                         </a:rPr>
-                        <a:t>-3.50 mm</a:t>
+                        <a:t>-</a:t>
+                      </a:r>
+                      <a:r>
+                        <a:rPr lang="en-US" sz="1200" b="0" i="0" u="none" strike="noStrike" dirty="0" smtClean="0">
+                          <a:solidFill>
+                            <a:srgbClr val="000000"/>
+                          </a:solidFill>
+                          <a:effectLst/>
+                          <a:latin typeface="Arial Black" panose="020B0A04020102020204" pitchFamily="34" charset="0"/>
+                        </a:rPr>
+                        <a:t>3.60 </a:t>
+                      </a:r>
+                      <a:r>
+                        <a:rPr lang="en-US" sz="1200" b="0" i="0" u="none" strike="noStrike" dirty="0" smtClean="0">
+                          <a:solidFill>
+                            <a:srgbClr val="000000"/>
+                          </a:solidFill>
+                          <a:effectLst/>
+                          <a:latin typeface="Arial Black" panose="020B0A04020102020204" pitchFamily="34" charset="0"/>
+                        </a:rPr>
+                        <a:t>mm</a:t>
                       </a:r>
                       <a:endParaRPr lang="en-US" sz="1200" b="0" i="0" u="none" strike="noStrike" dirty="0">
                         <a:solidFill>
@@ -4359,7 +4365,7 @@
         <p:spPr>
           <a:xfrm>
             <a:off x="1828800" y="3762256"/>
-            <a:ext cx="461986" cy="335756"/>
+            <a:ext cx="461986" cy="369332"/>
           </a:xfrm>
           <a:prstGeom prst="rect">
             <a:avLst/>
@@ -4382,6 +4388,37 @@
               <a:latin typeface="Arial" panose="020B0604020202020204" pitchFamily="34" charset="0"/>
               <a:cs typeface="Arial" panose="020B0604020202020204" pitchFamily="34" charset="0"/>
             </a:endParaRPr>
+          </a:p>
+        </p:txBody>
+      </p:sp>
+      <p:sp>
+        <p:nvSpPr>
+          <p:cNvPr id="3" name="Rectangle 2"/>
+          <p:cNvSpPr/>
+          <p:nvPr/>
+        </p:nvSpPr>
+        <p:spPr>
+          <a:xfrm>
+            <a:off x="3962400" y="2057400"/>
+            <a:ext cx="4267200" cy="461665"/>
+          </a:xfrm>
+          <a:prstGeom prst="rect">
+            <a:avLst/>
+          </a:prstGeom>
+        </p:spPr>
+        <p:txBody>
+          <a:bodyPr wrap="square">
+            <a:spAutoFit/>
+          </a:bodyPr>
+          <a:lstStyle/>
+          <a:p>
+            <a:r>
+              <a:rPr lang="en-US" sz="1200" dirty="0">
+                <a:latin typeface="Arial" panose="020B0604020202020204" pitchFamily="34" charset="0"/>
+                <a:cs typeface="Arial" panose="020B0604020202020204" pitchFamily="34" charset="0"/>
+              </a:rPr>
+              <a:t>Locus coeruleus input to hippocampal CA3 drives single-trial learning of a novel context</a:t>
+            </a:r>
           </a:p>
         </p:txBody>
       </p:sp>
